--- a/financial_data.pptx
+++ b/financial_data.pptx
@@ -19,11 +19,13 @@
     <p:sldId id="263" r:id="rId13"/>
     <p:sldId id="266" r:id="rId14"/>
     <p:sldId id="270" r:id="rId15"/>
-    <p:sldId id="272" r:id="rId16"/>
-    <p:sldId id="273" r:id="rId17"/>
-    <p:sldId id="275" r:id="rId18"/>
-    <p:sldId id="274" r:id="rId19"/>
-    <p:sldId id="277" r:id="rId20"/>
+    <p:sldId id="280" r:id="rId16"/>
+    <p:sldId id="281" r:id="rId17"/>
+    <p:sldId id="272" r:id="rId18"/>
+    <p:sldId id="273" r:id="rId19"/>
+    <p:sldId id="275" r:id="rId20"/>
+    <p:sldId id="274" r:id="rId21"/>
+    <p:sldId id="277" r:id="rId22"/>
   </p:sldIdLst>
   <p:sldSz cx="12192000" cy="6858000"/>
   <p:notesSz cx="6858000" cy="9144000"/>
@@ -122,6 +124,11 @@
       </a:defRPr>
     </a:lvl9pPr>
   </p:defaultTextStyle>
+  <p:extLst>
+    <p:ext uri="{EFAFB233-063F-42B5-8137-9DF3F51BA10A}">
+      <p15:sldGuideLst xmlns:p15="http://schemas.microsoft.com/office/powerpoint/2012/main"/>
+    </p:ext>
+  </p:extLst>
 </p:presentation>
 </file>
 
@@ -274,7 +281,7 @@
           <a:p>
             <a:fld id="{3CF3F5C2-5A1C-466B-862E-01010E7D06C5}" type="datetimeFigureOut">
               <a:rPr lang="de-CH" smtClean="0"/>
-              <a:t>25.04.2023</a:t>
+              <a:t>08.06.2023</a:t>
             </a:fld>
             <a:endParaRPr lang="de-CH"/>
           </a:p>
@@ -474,7 +481,7 @@
           <a:p>
             <a:fld id="{3CF3F5C2-5A1C-466B-862E-01010E7D06C5}" type="datetimeFigureOut">
               <a:rPr lang="de-CH" smtClean="0"/>
-              <a:t>25.04.2023</a:t>
+              <a:t>08.06.2023</a:t>
             </a:fld>
             <a:endParaRPr lang="de-CH"/>
           </a:p>
@@ -684,7 +691,7 @@
           <a:p>
             <a:fld id="{3CF3F5C2-5A1C-466B-862E-01010E7D06C5}" type="datetimeFigureOut">
               <a:rPr lang="de-CH" smtClean="0"/>
-              <a:t>25.04.2023</a:t>
+              <a:t>08.06.2023</a:t>
             </a:fld>
             <a:endParaRPr lang="de-CH"/>
           </a:p>
@@ -884,7 +891,7 @@
           <a:p>
             <a:fld id="{3CF3F5C2-5A1C-466B-862E-01010E7D06C5}" type="datetimeFigureOut">
               <a:rPr lang="de-CH" smtClean="0"/>
-              <a:t>25.04.2023</a:t>
+              <a:t>08.06.2023</a:t>
             </a:fld>
             <a:endParaRPr lang="de-CH"/>
           </a:p>
@@ -1160,7 +1167,7 @@
           <a:p>
             <a:fld id="{3CF3F5C2-5A1C-466B-862E-01010E7D06C5}" type="datetimeFigureOut">
               <a:rPr lang="de-CH" smtClean="0"/>
-              <a:t>25.04.2023</a:t>
+              <a:t>08.06.2023</a:t>
             </a:fld>
             <a:endParaRPr lang="de-CH"/>
           </a:p>
@@ -1428,7 +1435,7 @@
           <a:p>
             <a:fld id="{3CF3F5C2-5A1C-466B-862E-01010E7D06C5}" type="datetimeFigureOut">
               <a:rPr lang="de-CH" smtClean="0"/>
-              <a:t>25.04.2023</a:t>
+              <a:t>08.06.2023</a:t>
             </a:fld>
             <a:endParaRPr lang="de-CH"/>
           </a:p>
@@ -1843,7 +1850,7 @@
           <a:p>
             <a:fld id="{3CF3F5C2-5A1C-466B-862E-01010E7D06C5}" type="datetimeFigureOut">
               <a:rPr lang="de-CH" smtClean="0"/>
-              <a:t>25.04.2023</a:t>
+              <a:t>08.06.2023</a:t>
             </a:fld>
             <a:endParaRPr lang="de-CH"/>
           </a:p>
@@ -1985,7 +1992,7 @@
           <a:p>
             <a:fld id="{3CF3F5C2-5A1C-466B-862E-01010E7D06C5}" type="datetimeFigureOut">
               <a:rPr lang="de-CH" smtClean="0"/>
-              <a:t>25.04.2023</a:t>
+              <a:t>08.06.2023</a:t>
             </a:fld>
             <a:endParaRPr lang="de-CH"/>
           </a:p>
@@ -2098,7 +2105,7 @@
           <a:p>
             <a:fld id="{3CF3F5C2-5A1C-466B-862E-01010E7D06C5}" type="datetimeFigureOut">
               <a:rPr lang="de-CH" smtClean="0"/>
-              <a:t>25.04.2023</a:t>
+              <a:t>08.06.2023</a:t>
             </a:fld>
             <a:endParaRPr lang="de-CH"/>
           </a:p>
@@ -2411,7 +2418,7 @@
           <a:p>
             <a:fld id="{3CF3F5C2-5A1C-466B-862E-01010E7D06C5}" type="datetimeFigureOut">
               <a:rPr lang="de-CH" smtClean="0"/>
-              <a:t>25.04.2023</a:t>
+              <a:t>08.06.2023</a:t>
             </a:fld>
             <a:endParaRPr lang="de-CH"/>
           </a:p>
@@ -2700,7 +2707,7 @@
           <a:p>
             <a:fld id="{3CF3F5C2-5A1C-466B-862E-01010E7D06C5}" type="datetimeFigureOut">
               <a:rPr lang="de-CH" smtClean="0"/>
-              <a:t>25.04.2023</a:t>
+              <a:t>08.06.2023</a:t>
             </a:fld>
             <a:endParaRPr lang="de-CH"/>
           </a:p>
@@ -2943,7 +2950,7 @@
           <a:p>
             <a:fld id="{3CF3F5C2-5A1C-466B-862E-01010E7D06C5}" type="datetimeFigureOut">
               <a:rPr lang="de-CH" smtClean="0"/>
-              <a:t>25.04.2023</a:t>
+              <a:t>08.06.2023</a:t>
             </a:fld>
             <a:endParaRPr lang="de-CH"/>
           </a:p>
@@ -5512,6 +5519,644 @@
           <a:chExt cx="0" cy="0"/>
         </a:xfrm>
       </p:grpSpPr>
+      <p:cxnSp>
+        <p:nvCxnSpPr>
+          <p:cNvPr id="2" name="Straight Connector 1">
+            <a:extLst>
+              <a:ext uri="{FF2B5EF4-FFF2-40B4-BE49-F238E27FC236}">
+                <a16:creationId xmlns:a16="http://schemas.microsoft.com/office/drawing/2014/main" id="{5C128F88-A0FD-69AF-1206-3B07805D9B18}"/>
+              </a:ext>
+            </a:extLst>
+          </p:cNvPr>
+          <p:cNvCxnSpPr>
+            <a:cxnSpLocks/>
+          </p:cNvCxnSpPr>
+          <p:nvPr/>
+        </p:nvCxnSpPr>
+        <p:spPr>
+          <a:xfrm>
+            <a:off x="0" y="381000"/>
+            <a:ext cx="12192000" cy="0"/>
+          </a:xfrm>
+          <a:prstGeom prst="line">
+            <a:avLst/>
+          </a:prstGeom>
+          <a:ln w="12700">
+            <a:solidFill>
+              <a:schemeClr val="bg1">
+                <a:lumMod val="50000"/>
+              </a:schemeClr>
+            </a:solidFill>
+          </a:ln>
+        </p:spPr>
+        <p:style>
+          <a:lnRef idx="1">
+            <a:schemeClr val="accent1"/>
+          </a:lnRef>
+          <a:fillRef idx="0">
+            <a:schemeClr val="accent1"/>
+          </a:fillRef>
+          <a:effectRef idx="0">
+            <a:schemeClr val="accent1"/>
+          </a:effectRef>
+          <a:fontRef idx="minor">
+            <a:schemeClr val="tx1"/>
+          </a:fontRef>
+        </p:style>
+      </p:cxnSp>
+      <p:sp>
+        <p:nvSpPr>
+          <p:cNvPr id="3" name="TextBox 2">
+            <a:extLst>
+              <a:ext uri="{FF2B5EF4-FFF2-40B4-BE49-F238E27FC236}">
+                <a16:creationId xmlns:a16="http://schemas.microsoft.com/office/drawing/2014/main" id="{03A2AD0F-A12E-6ABD-B0FD-4B23CEF69FDD}"/>
+              </a:ext>
+            </a:extLst>
+          </p:cNvPr>
+          <p:cNvSpPr txBox="1"/>
+          <p:nvPr/>
+        </p:nvSpPr>
+        <p:spPr>
+          <a:xfrm>
+            <a:off x="0" y="-19566"/>
+            <a:ext cx="4762500" cy="400110"/>
+          </a:xfrm>
+          <a:prstGeom prst="rect">
+            <a:avLst/>
+          </a:prstGeom>
+          <a:noFill/>
+        </p:spPr>
+        <p:txBody>
+          <a:bodyPr wrap="square">
+            <a:spAutoFit/>
+          </a:bodyPr>
+          <a:lstStyle/>
+          <a:p>
+            <a:r>
+              <a:rPr lang="de-CH" sz="2000" b="1" dirty="0" err="1"/>
+              <a:t>Loan</a:t>
+            </a:r>
+            <a:r>
+              <a:rPr lang="de-CH" sz="2000" b="1" dirty="0"/>
+              <a:t> </a:t>
+            </a:r>
+            <a:r>
+              <a:rPr lang="de-CH" sz="2000" b="1" dirty="0" err="1"/>
+              <a:t>default</a:t>
+            </a:r>
+            <a:r>
+              <a:rPr lang="de-CH" sz="2000" b="1" dirty="0"/>
+              <a:t> </a:t>
+            </a:r>
+            <a:r>
+              <a:rPr lang="de-CH" sz="2000" b="1" dirty="0" err="1"/>
+              <a:t>prediction</a:t>
+            </a:r>
+            <a:endParaRPr lang="de-CH" sz="2000" b="1" dirty="0"/>
+          </a:p>
+        </p:txBody>
+      </p:sp>
+      <p:pic>
+        <p:nvPicPr>
+          <p:cNvPr id="5" name="Picture 4" descr="Graphical user interface, application, website&#10;&#10;Description automatically generated">
+            <a:extLst>
+              <a:ext uri="{FF2B5EF4-FFF2-40B4-BE49-F238E27FC236}">
+                <a16:creationId xmlns:a16="http://schemas.microsoft.com/office/drawing/2014/main" id="{712A1B5D-2E11-EEB6-0926-4CED7E88D84A}"/>
+              </a:ext>
+            </a:extLst>
+          </p:cNvPr>
+          <p:cNvPicPr>
+            <a:picLocks noChangeAspect="1"/>
+          </p:cNvPicPr>
+          <p:nvPr/>
+        </p:nvPicPr>
+        <p:blipFill>
+          <a:blip r:embed="rId2">
+            <a:extLst>
+              <a:ext uri="{28A0092B-C50C-407E-A947-70E740481C1C}">
+                <a14:useLocalDpi xmlns:a14="http://schemas.microsoft.com/office/drawing/2010/main" val="0"/>
+              </a:ext>
+            </a:extLst>
+          </a:blip>
+          <a:stretch>
+            <a:fillRect/>
+          </a:stretch>
+        </p:blipFill>
+        <p:spPr>
+          <a:xfrm>
+            <a:off x="0" y="631825"/>
+            <a:ext cx="5921375" cy="5921375"/>
+          </a:xfrm>
+          <a:prstGeom prst="rect">
+            <a:avLst/>
+          </a:prstGeom>
+        </p:spPr>
+      </p:pic>
+      <p:sp>
+        <p:nvSpPr>
+          <p:cNvPr id="4" name="TextBox 3">
+            <a:extLst>
+              <a:ext uri="{FF2B5EF4-FFF2-40B4-BE49-F238E27FC236}">
+                <a16:creationId xmlns:a16="http://schemas.microsoft.com/office/drawing/2014/main" id="{69EF172E-38D1-075D-D004-664AF8C30CA3}"/>
+              </a:ext>
+            </a:extLst>
+          </p:cNvPr>
+          <p:cNvSpPr txBox="1"/>
+          <p:nvPr/>
+        </p:nvSpPr>
+        <p:spPr>
+          <a:xfrm>
+            <a:off x="6623538" y="1092751"/>
+            <a:ext cx="4708790" cy="1200329"/>
+          </a:xfrm>
+          <a:prstGeom prst="rect">
+            <a:avLst/>
+          </a:prstGeom>
+          <a:noFill/>
+        </p:spPr>
+        <p:txBody>
+          <a:bodyPr wrap="none" rtlCol="0">
+            <a:spAutoFit/>
+          </a:bodyPr>
+          <a:lstStyle/>
+          <a:p>
+            <a:r>
+              <a:rPr lang="de-DE" b="1" u="sng" dirty="0" err="1"/>
+              <a:t>Assumption</a:t>
+            </a:r>
+            <a:r>
+              <a:rPr lang="de-DE" dirty="0"/>
+              <a:t>: 205 </a:t>
+            </a:r>
+            <a:r>
+              <a:rPr lang="de-DE" dirty="0" err="1"/>
+              <a:t>loans</a:t>
+            </a:r>
+            <a:endParaRPr lang="de-DE" dirty="0"/>
+          </a:p>
+          <a:p>
+            <a:endParaRPr lang="de-DE" dirty="0"/>
+          </a:p>
+          <a:p>
+            <a:pPr marL="285750" indent="-285750">
+              <a:buFontTx/>
+              <a:buChar char="-"/>
+            </a:pPr>
+            <a:r>
+              <a:rPr lang="de-DE" dirty="0"/>
+              <a:t>182 </a:t>
+            </a:r>
+            <a:r>
+              <a:rPr lang="de-DE" dirty="0" err="1"/>
+              <a:t>loans</a:t>
+            </a:r>
+            <a:r>
+              <a:rPr lang="de-DE" dirty="0"/>
+              <a:t> </a:t>
+            </a:r>
+            <a:r>
+              <a:rPr lang="de-DE" dirty="0" err="1"/>
+              <a:t>payed</a:t>
+            </a:r>
+            <a:r>
+              <a:rPr lang="de-DE" dirty="0"/>
+              <a:t> back, </a:t>
+            </a:r>
+            <a:r>
+              <a:rPr lang="de-DE" dirty="0" err="1"/>
+              <a:t>average</a:t>
+            </a:r>
+            <a:r>
+              <a:rPr lang="de-DE" dirty="0"/>
+              <a:t> </a:t>
+            </a:r>
+            <a:r>
+              <a:rPr lang="de-DE" dirty="0" err="1"/>
+              <a:t>profit</a:t>
+            </a:r>
+            <a:r>
+              <a:rPr lang="de-DE" dirty="0"/>
+              <a:t>: 4.000 $</a:t>
+            </a:r>
+          </a:p>
+          <a:p>
+            <a:pPr marL="285750" indent="-285750">
+              <a:buFontTx/>
+              <a:buChar char="-"/>
+            </a:pPr>
+            <a:r>
+              <a:rPr lang="de-DE" dirty="0"/>
+              <a:t>23 </a:t>
+            </a:r>
+            <a:r>
+              <a:rPr lang="de-DE" dirty="0" err="1"/>
+              <a:t>loans</a:t>
+            </a:r>
+            <a:r>
+              <a:rPr lang="de-DE" dirty="0"/>
+              <a:t> </a:t>
+            </a:r>
+            <a:r>
+              <a:rPr lang="de-DE" dirty="0" err="1"/>
+              <a:t>default</a:t>
+            </a:r>
+            <a:r>
+              <a:rPr lang="de-DE" dirty="0"/>
+              <a:t>, </a:t>
+            </a:r>
+            <a:r>
+              <a:rPr lang="de-DE" dirty="0" err="1"/>
+              <a:t>average</a:t>
+            </a:r>
+            <a:r>
+              <a:rPr lang="de-DE" dirty="0"/>
+              <a:t> </a:t>
+            </a:r>
+            <a:r>
+              <a:rPr lang="de-DE" dirty="0" err="1"/>
+              <a:t>loss</a:t>
+            </a:r>
+            <a:r>
+              <a:rPr lang="de-DE" dirty="0"/>
+              <a:t>: 30.000$</a:t>
+            </a:r>
+            <a:endParaRPr lang="de-CH" dirty="0"/>
+          </a:p>
+        </p:txBody>
+      </p:sp>
+      <p:sp>
+        <p:nvSpPr>
+          <p:cNvPr id="6" name="TextBox 5">
+            <a:extLst>
+              <a:ext uri="{FF2B5EF4-FFF2-40B4-BE49-F238E27FC236}">
+                <a16:creationId xmlns:a16="http://schemas.microsoft.com/office/drawing/2014/main" id="{71979F09-AB3D-D0B6-DC44-C29DF2EE9017}"/>
+              </a:ext>
+            </a:extLst>
+          </p:cNvPr>
+          <p:cNvSpPr txBox="1"/>
+          <p:nvPr/>
+        </p:nvSpPr>
+        <p:spPr>
+          <a:xfrm>
+            <a:off x="6623538" y="3130847"/>
+            <a:ext cx="3559821" cy="923330"/>
+          </a:xfrm>
+          <a:prstGeom prst="rect">
+            <a:avLst/>
+          </a:prstGeom>
+          <a:noFill/>
+        </p:spPr>
+        <p:txBody>
+          <a:bodyPr wrap="none" rtlCol="0">
+            <a:spAutoFit/>
+          </a:bodyPr>
+          <a:lstStyle/>
+          <a:p>
+            <a:r>
+              <a:rPr lang="de-DE" b="1" u="sng" dirty="0"/>
+              <a:t>Policy 1</a:t>
+            </a:r>
+            <a:r>
+              <a:rPr lang="de-DE" dirty="0"/>
+              <a:t>: </a:t>
+            </a:r>
+            <a:r>
+              <a:rPr lang="de-DE" dirty="0" err="1"/>
+              <a:t>Give</a:t>
+            </a:r>
+            <a:r>
+              <a:rPr lang="de-DE" dirty="0"/>
+              <a:t> </a:t>
+            </a:r>
+            <a:r>
+              <a:rPr lang="de-DE" dirty="0" err="1"/>
+              <a:t>every</a:t>
+            </a:r>
+            <a:r>
+              <a:rPr lang="de-DE" dirty="0"/>
+              <a:t> </a:t>
+            </a:r>
+            <a:r>
+              <a:rPr lang="de-DE" dirty="0" err="1"/>
+              <a:t>costumer</a:t>
+            </a:r>
+            <a:r>
+              <a:rPr lang="de-DE" dirty="0"/>
+              <a:t> a </a:t>
+            </a:r>
+            <a:r>
+              <a:rPr lang="de-DE" dirty="0" err="1"/>
+              <a:t>loan</a:t>
+            </a:r>
+            <a:endParaRPr lang="de-DE" dirty="0"/>
+          </a:p>
+          <a:p>
+            <a:endParaRPr lang="de-DE" dirty="0"/>
+          </a:p>
+          <a:p>
+            <a:r>
+              <a:rPr lang="de-DE" b="1" dirty="0" err="1">
+                <a:solidFill>
+                  <a:srgbClr val="FF0000"/>
+                </a:solidFill>
+              </a:rPr>
+              <a:t>Earned</a:t>
+            </a:r>
+            <a:r>
+              <a:rPr lang="de-DE" b="1" dirty="0">
+                <a:solidFill>
+                  <a:srgbClr val="FF0000"/>
+                </a:solidFill>
+              </a:rPr>
+              <a:t>: 38.000 $</a:t>
+            </a:r>
+          </a:p>
+        </p:txBody>
+      </p:sp>
+      <p:sp>
+        <p:nvSpPr>
+          <p:cNvPr id="7" name="TextBox 6">
+            <a:extLst>
+              <a:ext uri="{FF2B5EF4-FFF2-40B4-BE49-F238E27FC236}">
+                <a16:creationId xmlns:a16="http://schemas.microsoft.com/office/drawing/2014/main" id="{099E4169-AE29-F45C-987D-A0918E54CC79}"/>
+              </a:ext>
+            </a:extLst>
+          </p:cNvPr>
+          <p:cNvSpPr txBox="1"/>
+          <p:nvPr/>
+        </p:nvSpPr>
+        <p:spPr>
+          <a:xfrm>
+            <a:off x="6623538" y="4765927"/>
+            <a:ext cx="3913635" cy="923330"/>
+          </a:xfrm>
+          <a:prstGeom prst="rect">
+            <a:avLst/>
+          </a:prstGeom>
+          <a:noFill/>
+        </p:spPr>
+        <p:txBody>
+          <a:bodyPr wrap="none" rtlCol="0">
+            <a:spAutoFit/>
+          </a:bodyPr>
+          <a:lstStyle/>
+          <a:p>
+            <a:r>
+              <a:rPr lang="de-DE" b="1" u="sng" dirty="0"/>
+              <a:t>Policy 2</a:t>
+            </a:r>
+            <a:r>
+              <a:rPr lang="de-DE" dirty="0"/>
+              <a:t>: </a:t>
+            </a:r>
+            <a:r>
+              <a:rPr lang="de-DE" dirty="0" err="1"/>
+              <a:t>Loan</a:t>
+            </a:r>
+            <a:r>
+              <a:rPr lang="de-DE" dirty="0"/>
+              <a:t> </a:t>
+            </a:r>
+            <a:r>
+              <a:rPr lang="de-DE" dirty="0" err="1"/>
+              <a:t>only</a:t>
+            </a:r>
+            <a:r>
+              <a:rPr lang="de-DE" dirty="0"/>
+              <a:t> </a:t>
+            </a:r>
+            <a:r>
+              <a:rPr lang="de-DE" dirty="0" err="1"/>
+              <a:t>to</a:t>
+            </a:r>
+            <a:r>
+              <a:rPr lang="de-DE" dirty="0"/>
+              <a:t> </a:t>
+            </a:r>
+            <a:r>
+              <a:rPr lang="de-DE" dirty="0" err="1"/>
+              <a:t>certain</a:t>
+            </a:r>
+            <a:r>
+              <a:rPr lang="de-DE" dirty="0"/>
+              <a:t> </a:t>
+            </a:r>
+            <a:r>
+              <a:rPr lang="de-DE" dirty="0" err="1"/>
+              <a:t>costumers</a:t>
+            </a:r>
+            <a:endParaRPr lang="de-DE" dirty="0"/>
+          </a:p>
+          <a:p>
+            <a:endParaRPr lang="de-DE" dirty="0"/>
+          </a:p>
+          <a:p>
+            <a:r>
+              <a:rPr lang="de-DE" b="1" dirty="0" err="1">
+                <a:solidFill>
+                  <a:srgbClr val="00B050"/>
+                </a:solidFill>
+              </a:rPr>
+              <a:t>Earned</a:t>
+            </a:r>
+            <a:r>
+              <a:rPr lang="de-DE" b="1" dirty="0">
+                <a:solidFill>
+                  <a:srgbClr val="00B050"/>
+                </a:solidFill>
+              </a:rPr>
+              <a:t>: 106.000 $</a:t>
+            </a:r>
+          </a:p>
+        </p:txBody>
+      </p:sp>
+    </p:spTree>
+    <p:extLst>
+      <p:ext uri="{BB962C8B-B14F-4D97-AF65-F5344CB8AC3E}">
+        <p14:creationId xmlns:p14="http://schemas.microsoft.com/office/powerpoint/2010/main" val="2635938155"/>
+      </p:ext>
+    </p:extLst>
+  </p:cSld>
+  <p:clrMapOvr>
+    <a:masterClrMapping/>
+  </p:clrMapOvr>
+</p:sld>
+</file>
+
+<file path=ppt/slides/slide16.xml><?xml version="1.0" encoding="utf-8"?>
+<p:sld xmlns:a="http://schemas.openxmlformats.org/drawingml/2006/main" xmlns:r="http://schemas.openxmlformats.org/officeDocument/2006/relationships" xmlns:p="http://schemas.openxmlformats.org/presentationml/2006/main" show="0">
+  <p:cSld>
+    <p:spTree>
+      <p:nvGrpSpPr>
+        <p:cNvPr id="1" name=""/>
+        <p:cNvGrpSpPr/>
+        <p:nvPr/>
+      </p:nvGrpSpPr>
+      <p:grpSpPr>
+        <a:xfrm>
+          <a:off x="0" y="0"/>
+          <a:ext cx="0" cy="0"/>
+          <a:chOff x="0" y="0"/>
+          <a:chExt cx="0" cy="0"/>
+        </a:xfrm>
+      </p:grpSpPr>
+      <p:cxnSp>
+        <p:nvCxnSpPr>
+          <p:cNvPr id="2" name="Straight Connector 1">
+            <a:extLst>
+              <a:ext uri="{FF2B5EF4-FFF2-40B4-BE49-F238E27FC236}">
+                <a16:creationId xmlns:a16="http://schemas.microsoft.com/office/drawing/2014/main" id="{5C128F88-A0FD-69AF-1206-3B07805D9B18}"/>
+              </a:ext>
+            </a:extLst>
+          </p:cNvPr>
+          <p:cNvCxnSpPr>
+            <a:cxnSpLocks/>
+          </p:cNvCxnSpPr>
+          <p:nvPr/>
+        </p:nvCxnSpPr>
+        <p:spPr>
+          <a:xfrm>
+            <a:off x="0" y="381000"/>
+            <a:ext cx="12192000" cy="0"/>
+          </a:xfrm>
+          <a:prstGeom prst="line">
+            <a:avLst/>
+          </a:prstGeom>
+          <a:ln w="12700">
+            <a:solidFill>
+              <a:schemeClr val="bg1">
+                <a:lumMod val="50000"/>
+              </a:schemeClr>
+            </a:solidFill>
+          </a:ln>
+        </p:spPr>
+        <p:style>
+          <a:lnRef idx="1">
+            <a:schemeClr val="accent1"/>
+          </a:lnRef>
+          <a:fillRef idx="0">
+            <a:schemeClr val="accent1"/>
+          </a:fillRef>
+          <a:effectRef idx="0">
+            <a:schemeClr val="accent1"/>
+          </a:effectRef>
+          <a:fontRef idx="minor">
+            <a:schemeClr val="tx1"/>
+          </a:fontRef>
+        </p:style>
+      </p:cxnSp>
+      <p:sp>
+        <p:nvSpPr>
+          <p:cNvPr id="3" name="TextBox 2">
+            <a:extLst>
+              <a:ext uri="{FF2B5EF4-FFF2-40B4-BE49-F238E27FC236}">
+                <a16:creationId xmlns:a16="http://schemas.microsoft.com/office/drawing/2014/main" id="{03A2AD0F-A12E-6ABD-B0FD-4B23CEF69FDD}"/>
+              </a:ext>
+            </a:extLst>
+          </p:cNvPr>
+          <p:cNvSpPr txBox="1"/>
+          <p:nvPr/>
+        </p:nvSpPr>
+        <p:spPr>
+          <a:xfrm>
+            <a:off x="0" y="-19566"/>
+            <a:ext cx="4762500" cy="400110"/>
+          </a:xfrm>
+          <a:prstGeom prst="rect">
+            <a:avLst/>
+          </a:prstGeom>
+          <a:noFill/>
+        </p:spPr>
+        <p:txBody>
+          <a:bodyPr wrap="square">
+            <a:spAutoFit/>
+          </a:bodyPr>
+          <a:lstStyle/>
+          <a:p>
+            <a:r>
+              <a:rPr lang="de-CH" sz="2000" b="1" dirty="0" err="1"/>
+              <a:t>Loan</a:t>
+            </a:r>
+            <a:r>
+              <a:rPr lang="de-CH" sz="2000" b="1" dirty="0"/>
+              <a:t> </a:t>
+            </a:r>
+            <a:r>
+              <a:rPr lang="de-CH" sz="2000" b="1" dirty="0" err="1"/>
+              <a:t>default</a:t>
+            </a:r>
+            <a:r>
+              <a:rPr lang="de-CH" sz="2000" b="1" dirty="0"/>
+              <a:t> </a:t>
+            </a:r>
+            <a:r>
+              <a:rPr lang="de-CH" sz="2000" b="1" dirty="0" err="1"/>
+              <a:t>prediction</a:t>
+            </a:r>
+            <a:endParaRPr lang="de-CH" sz="2000" b="1" dirty="0"/>
+          </a:p>
+        </p:txBody>
+      </p:sp>
+      <p:pic>
+        <p:nvPicPr>
+          <p:cNvPr id="9" name="Picture 8">
+            <a:extLst>
+              <a:ext uri="{FF2B5EF4-FFF2-40B4-BE49-F238E27FC236}">
+                <a16:creationId xmlns:a16="http://schemas.microsoft.com/office/drawing/2014/main" id="{F95817C7-7FEB-E361-539F-2B76A8048DE2}"/>
+              </a:ext>
+            </a:extLst>
+          </p:cNvPr>
+          <p:cNvPicPr>
+            <a:picLocks noChangeAspect="1"/>
+          </p:cNvPicPr>
+          <p:nvPr/>
+        </p:nvPicPr>
+        <p:blipFill>
+          <a:blip r:embed="rId2"/>
+          <a:stretch>
+            <a:fillRect/>
+          </a:stretch>
+        </p:blipFill>
+        <p:spPr>
+          <a:xfrm>
+            <a:off x="2678906" y="1521068"/>
+            <a:ext cx="6834188" cy="4319577"/>
+          </a:xfrm>
+          <a:prstGeom prst="rect">
+            <a:avLst/>
+          </a:prstGeom>
+        </p:spPr>
+      </p:pic>
+    </p:spTree>
+    <p:extLst>
+      <p:ext uri="{BB962C8B-B14F-4D97-AF65-F5344CB8AC3E}">
+        <p14:creationId xmlns:p14="http://schemas.microsoft.com/office/powerpoint/2010/main" val="442847950"/>
+      </p:ext>
+    </p:extLst>
+  </p:cSld>
+  <p:clrMapOvr>
+    <a:masterClrMapping/>
+  </p:clrMapOvr>
+</p:sld>
+</file>
+
+<file path=ppt/slides/slide17.xml><?xml version="1.0" encoding="utf-8"?>
+<p:sld xmlns:a="http://schemas.openxmlformats.org/drawingml/2006/main" xmlns:r="http://schemas.openxmlformats.org/officeDocument/2006/relationships" xmlns:p="http://schemas.openxmlformats.org/presentationml/2006/main">
+  <p:cSld>
+    <p:spTree>
+      <p:nvGrpSpPr>
+        <p:cNvPr id="1" name=""/>
+        <p:cNvGrpSpPr/>
+        <p:nvPr/>
+      </p:nvGrpSpPr>
+      <p:grpSpPr>
+        <a:xfrm>
+          <a:off x="0" y="0"/>
+          <a:ext cx="0" cy="0"/>
+          <a:chOff x="0" y="0"/>
+          <a:chExt cx="0" cy="0"/>
+        </a:xfrm>
+      </p:grpSpPr>
       <p:sp>
         <p:nvSpPr>
           <p:cNvPr id="5" name="TextBox 4">
@@ -6580,7 +7225,7 @@
 </p:sld>
 </file>
 
-<file path=ppt/slides/slide16.xml><?xml version="1.0" encoding="utf-8"?>
+<file path=ppt/slides/slide18.xml><?xml version="1.0" encoding="utf-8"?>
 <p:sld xmlns:a="http://schemas.openxmlformats.org/drawingml/2006/main" xmlns:r="http://schemas.openxmlformats.org/officeDocument/2006/relationships" xmlns:p="http://schemas.openxmlformats.org/presentationml/2006/main">
   <p:cSld>
     <p:spTree>
@@ -7013,7 +7658,7 @@
 </p:sld>
 </file>
 
-<file path=ppt/slides/slide17.xml><?xml version="1.0" encoding="utf-8"?>
+<file path=ppt/slides/slide19.xml><?xml version="1.0" encoding="utf-8"?>
 <p:sld xmlns:a="http://schemas.openxmlformats.org/drawingml/2006/main" xmlns:r="http://schemas.openxmlformats.org/officeDocument/2006/relationships" xmlns:p="http://schemas.openxmlformats.org/presentationml/2006/main">
   <p:cSld>
     <p:spTree>
@@ -7356,678 +8001,6 @@
     <p:extLst>
       <p:ext uri="{BB962C8B-B14F-4D97-AF65-F5344CB8AC3E}">
         <p14:creationId xmlns:p14="http://schemas.microsoft.com/office/powerpoint/2010/main" val="2929478534"/>
-      </p:ext>
-    </p:extLst>
-  </p:cSld>
-  <p:clrMapOvr>
-    <a:masterClrMapping/>
-  </p:clrMapOvr>
-</p:sld>
-</file>
-
-<file path=ppt/slides/slide18.xml><?xml version="1.0" encoding="utf-8"?>
-<p:sld xmlns:a="http://schemas.openxmlformats.org/drawingml/2006/main" xmlns:r="http://schemas.openxmlformats.org/officeDocument/2006/relationships" xmlns:p="http://schemas.openxmlformats.org/presentationml/2006/main">
-  <p:cSld>
-    <p:spTree>
-      <p:nvGrpSpPr>
-        <p:cNvPr id="1" name=""/>
-        <p:cNvGrpSpPr/>
-        <p:nvPr/>
-      </p:nvGrpSpPr>
-      <p:grpSpPr>
-        <a:xfrm>
-          <a:off x="0" y="0"/>
-          <a:ext cx="0" cy="0"/>
-          <a:chOff x="0" y="0"/>
-          <a:chExt cx="0" cy="0"/>
-        </a:xfrm>
-      </p:grpSpPr>
-      <p:pic>
-        <p:nvPicPr>
-          <p:cNvPr id="3" name="Picture 2">
-            <a:extLst>
-              <a:ext uri="{FF2B5EF4-FFF2-40B4-BE49-F238E27FC236}">
-                <a16:creationId xmlns:a16="http://schemas.microsoft.com/office/drawing/2014/main" id="{68EC3968-F2D8-4F51-E658-30BA69FD0E51}"/>
-              </a:ext>
-            </a:extLst>
-          </p:cNvPr>
-          <p:cNvPicPr>
-            <a:picLocks noChangeAspect="1"/>
-          </p:cNvPicPr>
-          <p:nvPr/>
-        </p:nvPicPr>
-        <p:blipFill>
-          <a:blip r:embed="rId2"/>
-          <a:stretch>
-            <a:fillRect/>
-          </a:stretch>
-        </p:blipFill>
-        <p:spPr>
-          <a:xfrm>
-            <a:off x="1095375" y="1185862"/>
-            <a:ext cx="4895850" cy="4181475"/>
-          </a:xfrm>
-          <a:prstGeom prst="rect">
-            <a:avLst/>
-          </a:prstGeom>
-        </p:spPr>
-      </p:pic>
-      <p:pic>
-        <p:nvPicPr>
-          <p:cNvPr id="5" name="Picture 4">
-            <a:extLst>
-              <a:ext uri="{FF2B5EF4-FFF2-40B4-BE49-F238E27FC236}">
-                <a16:creationId xmlns:a16="http://schemas.microsoft.com/office/drawing/2014/main" id="{BF82D935-CA96-2011-C5A3-14CB35182B24}"/>
-              </a:ext>
-            </a:extLst>
-          </p:cNvPr>
-          <p:cNvPicPr>
-            <a:picLocks noChangeAspect="1"/>
-          </p:cNvPicPr>
-          <p:nvPr/>
-        </p:nvPicPr>
-        <p:blipFill>
-          <a:blip r:embed="rId3"/>
-          <a:stretch>
-            <a:fillRect/>
-          </a:stretch>
-        </p:blipFill>
-        <p:spPr>
-          <a:xfrm>
-            <a:off x="6786562" y="1185862"/>
-            <a:ext cx="4886325" cy="4191000"/>
-          </a:xfrm>
-          <a:prstGeom prst="rect">
-            <a:avLst/>
-          </a:prstGeom>
-        </p:spPr>
-      </p:pic>
-      <p:sp>
-        <p:nvSpPr>
-          <p:cNvPr id="6" name="TextBox 5">
-            <a:extLst>
-              <a:ext uri="{FF2B5EF4-FFF2-40B4-BE49-F238E27FC236}">
-                <a16:creationId xmlns:a16="http://schemas.microsoft.com/office/drawing/2014/main" id="{2A37733B-C666-6E2C-A610-E01F7F7CB4E1}"/>
-              </a:ext>
-            </a:extLst>
-          </p:cNvPr>
-          <p:cNvSpPr txBox="1"/>
-          <p:nvPr/>
-        </p:nvSpPr>
-        <p:spPr>
-          <a:xfrm>
-            <a:off x="2876550" y="638175"/>
-            <a:ext cx="2427139" cy="369332"/>
-          </a:xfrm>
-          <a:prstGeom prst="rect">
-            <a:avLst/>
-          </a:prstGeom>
-          <a:noFill/>
-        </p:spPr>
-        <p:txBody>
-          <a:bodyPr wrap="none" rtlCol="0">
-            <a:spAutoFit/>
-          </a:bodyPr>
-          <a:lstStyle/>
-          <a:p>
-            <a:r>
-              <a:rPr lang="de-CH" b="1" u="sng" dirty="0"/>
-              <a:t>Training (</a:t>
-            </a:r>
-            <a:r>
-              <a:rPr lang="de-CH" b="1" u="sng" dirty="0" err="1"/>
-              <a:t>oversampling</a:t>
-            </a:r>
-            <a:r>
-              <a:rPr lang="de-CH" b="1" u="sng" dirty="0"/>
-              <a:t>)</a:t>
-            </a:r>
-          </a:p>
-        </p:txBody>
-      </p:sp>
-      <p:sp>
-        <p:nvSpPr>
-          <p:cNvPr id="7" name="TextBox 6">
-            <a:extLst>
-              <a:ext uri="{FF2B5EF4-FFF2-40B4-BE49-F238E27FC236}">
-                <a16:creationId xmlns:a16="http://schemas.microsoft.com/office/drawing/2014/main" id="{567C5D85-F78F-B8D9-11D5-5352B47F4747}"/>
-              </a:ext>
-            </a:extLst>
-          </p:cNvPr>
-          <p:cNvSpPr txBox="1"/>
-          <p:nvPr/>
-        </p:nvSpPr>
-        <p:spPr>
-          <a:xfrm>
-            <a:off x="8766199" y="638175"/>
-            <a:ext cx="851452" cy="369332"/>
-          </a:xfrm>
-          <a:prstGeom prst="rect">
-            <a:avLst/>
-          </a:prstGeom>
-          <a:noFill/>
-        </p:spPr>
-        <p:txBody>
-          <a:bodyPr wrap="none" rtlCol="0">
-            <a:spAutoFit/>
-          </a:bodyPr>
-          <a:lstStyle/>
-          <a:p>
-            <a:r>
-              <a:rPr lang="de-CH" b="1" u="sng" dirty="0" err="1"/>
-              <a:t>Testing</a:t>
-            </a:r>
-            <a:endParaRPr lang="de-CH" b="1" u="sng" dirty="0"/>
-          </a:p>
-        </p:txBody>
-      </p:sp>
-      <p:cxnSp>
-        <p:nvCxnSpPr>
-          <p:cNvPr id="8" name="Straight Connector 7">
-            <a:extLst>
-              <a:ext uri="{FF2B5EF4-FFF2-40B4-BE49-F238E27FC236}">
-                <a16:creationId xmlns:a16="http://schemas.microsoft.com/office/drawing/2014/main" id="{954182B8-4B55-BA8F-0EBA-80B55F65B5E3}"/>
-              </a:ext>
-            </a:extLst>
-          </p:cNvPr>
-          <p:cNvCxnSpPr>
-            <a:cxnSpLocks/>
-          </p:cNvCxnSpPr>
-          <p:nvPr/>
-        </p:nvCxnSpPr>
-        <p:spPr>
-          <a:xfrm>
-            <a:off x="0" y="381000"/>
-            <a:ext cx="12192000" cy="0"/>
-          </a:xfrm>
-          <a:prstGeom prst="line">
-            <a:avLst/>
-          </a:prstGeom>
-          <a:ln w="12700">
-            <a:solidFill>
-              <a:schemeClr val="bg1">
-                <a:lumMod val="50000"/>
-              </a:schemeClr>
-            </a:solidFill>
-          </a:ln>
-        </p:spPr>
-        <p:style>
-          <a:lnRef idx="1">
-            <a:schemeClr val="accent1"/>
-          </a:lnRef>
-          <a:fillRef idx="0">
-            <a:schemeClr val="accent1"/>
-          </a:fillRef>
-          <a:effectRef idx="0">
-            <a:schemeClr val="accent1"/>
-          </a:effectRef>
-          <a:fontRef idx="minor">
-            <a:schemeClr val="tx1"/>
-          </a:fontRef>
-        </p:style>
-      </p:cxnSp>
-      <p:sp>
-        <p:nvSpPr>
-          <p:cNvPr id="9" name="TextBox 8">
-            <a:extLst>
-              <a:ext uri="{FF2B5EF4-FFF2-40B4-BE49-F238E27FC236}">
-                <a16:creationId xmlns:a16="http://schemas.microsoft.com/office/drawing/2014/main" id="{2CD63770-ED40-2570-2593-19254ECB803C}"/>
-              </a:ext>
-            </a:extLst>
-          </p:cNvPr>
-          <p:cNvSpPr txBox="1"/>
-          <p:nvPr/>
-        </p:nvSpPr>
-        <p:spPr>
-          <a:xfrm>
-            <a:off x="0" y="-19566"/>
-            <a:ext cx="4762500" cy="400110"/>
-          </a:xfrm>
-          <a:prstGeom prst="rect">
-            <a:avLst/>
-          </a:prstGeom>
-          <a:noFill/>
-        </p:spPr>
-        <p:txBody>
-          <a:bodyPr wrap="square">
-            <a:spAutoFit/>
-          </a:bodyPr>
-          <a:lstStyle/>
-          <a:p>
-            <a:r>
-              <a:rPr lang="de-CH" sz="2000" b="1" dirty="0" err="1"/>
-              <a:t>Loan</a:t>
-            </a:r>
-            <a:r>
-              <a:rPr lang="de-CH" sz="2000" b="1" dirty="0"/>
-              <a:t> </a:t>
-            </a:r>
-            <a:r>
-              <a:rPr lang="de-CH" sz="2000" b="1" dirty="0" err="1"/>
-              <a:t>default</a:t>
-            </a:r>
-            <a:r>
-              <a:rPr lang="de-CH" sz="2000" b="1" dirty="0"/>
-              <a:t> </a:t>
-            </a:r>
-            <a:r>
-              <a:rPr lang="de-CH" sz="2000" b="1" dirty="0" err="1"/>
-              <a:t>prediction</a:t>
-            </a:r>
-            <a:endParaRPr lang="de-CH" sz="2000" b="1" dirty="0"/>
-          </a:p>
-        </p:txBody>
-      </p:sp>
-      <p:sp>
-        <p:nvSpPr>
-          <p:cNvPr id="10" name="TextBox 9">
-            <a:extLst>
-              <a:ext uri="{FF2B5EF4-FFF2-40B4-BE49-F238E27FC236}">
-                <a16:creationId xmlns:a16="http://schemas.microsoft.com/office/drawing/2014/main" id="{F69D2FCB-4809-0320-7B90-54E2B323577E}"/>
-              </a:ext>
-            </a:extLst>
-          </p:cNvPr>
-          <p:cNvSpPr txBox="1"/>
-          <p:nvPr/>
-        </p:nvSpPr>
-        <p:spPr>
-          <a:xfrm>
-            <a:off x="9769911" y="-19566"/>
-            <a:ext cx="1391856" cy="369332"/>
-          </a:xfrm>
-          <a:prstGeom prst="rect">
-            <a:avLst/>
-          </a:prstGeom>
-          <a:noFill/>
-        </p:spPr>
-        <p:txBody>
-          <a:bodyPr wrap="none" rtlCol="0">
-            <a:spAutoFit/>
-          </a:bodyPr>
-          <a:lstStyle/>
-          <a:p>
-            <a:r>
-              <a:rPr lang="de-CH" dirty="0"/>
-              <a:t>Performance</a:t>
-            </a:r>
-          </a:p>
-        </p:txBody>
-      </p:sp>
-    </p:spTree>
-    <p:extLst>
-      <p:ext uri="{BB962C8B-B14F-4D97-AF65-F5344CB8AC3E}">
-        <p14:creationId xmlns:p14="http://schemas.microsoft.com/office/powerpoint/2010/main" val="4187989436"/>
-      </p:ext>
-    </p:extLst>
-  </p:cSld>
-  <p:clrMapOvr>
-    <a:masterClrMapping/>
-  </p:clrMapOvr>
-</p:sld>
-</file>
-
-<file path=ppt/slides/slide19.xml><?xml version="1.0" encoding="utf-8"?>
-<p:sld xmlns:a="http://schemas.openxmlformats.org/drawingml/2006/main" xmlns:r="http://schemas.openxmlformats.org/officeDocument/2006/relationships" xmlns:p="http://schemas.openxmlformats.org/presentationml/2006/main">
-  <p:cSld>
-    <p:spTree>
-      <p:nvGrpSpPr>
-        <p:cNvPr id="1" name=""/>
-        <p:cNvGrpSpPr/>
-        <p:nvPr/>
-      </p:nvGrpSpPr>
-      <p:grpSpPr>
-        <a:xfrm>
-          <a:off x="0" y="0"/>
-          <a:ext cx="0" cy="0"/>
-          <a:chOff x="0" y="0"/>
-          <a:chExt cx="0" cy="0"/>
-        </a:xfrm>
-      </p:grpSpPr>
-      <p:sp>
-        <p:nvSpPr>
-          <p:cNvPr id="2" name="TextBox 1">
-            <a:extLst>
-              <a:ext uri="{FF2B5EF4-FFF2-40B4-BE49-F238E27FC236}">
-                <a16:creationId xmlns:a16="http://schemas.microsoft.com/office/drawing/2014/main" id="{A6495F26-B540-CC01-6E67-F2472CAAB4F6}"/>
-              </a:ext>
-            </a:extLst>
-          </p:cNvPr>
-          <p:cNvSpPr txBox="1"/>
-          <p:nvPr/>
-        </p:nvSpPr>
-        <p:spPr>
-          <a:xfrm>
-            <a:off x="4152900" y="571500"/>
-            <a:ext cx="2217915" cy="707886"/>
-          </a:xfrm>
-          <a:prstGeom prst="rect">
-            <a:avLst/>
-          </a:prstGeom>
-          <a:noFill/>
-        </p:spPr>
-        <p:txBody>
-          <a:bodyPr wrap="none" rtlCol="0">
-            <a:spAutoFit/>
-          </a:bodyPr>
-          <a:lstStyle/>
-          <a:p>
-            <a:r>
-              <a:rPr lang="de-CH" sz="4000" b="1" dirty="0"/>
-              <a:t>Summary</a:t>
-            </a:r>
-          </a:p>
-        </p:txBody>
-      </p:sp>
-      <p:sp>
-        <p:nvSpPr>
-          <p:cNvPr id="3" name="TextBox 2">
-            <a:extLst>
-              <a:ext uri="{FF2B5EF4-FFF2-40B4-BE49-F238E27FC236}">
-                <a16:creationId xmlns:a16="http://schemas.microsoft.com/office/drawing/2014/main" id="{D57B0F28-23D2-8427-3795-A403AFEFCA13}"/>
-              </a:ext>
-            </a:extLst>
-          </p:cNvPr>
-          <p:cNvSpPr txBox="1"/>
-          <p:nvPr/>
-        </p:nvSpPr>
-        <p:spPr>
-          <a:xfrm>
-            <a:off x="2829807" y="2346811"/>
-            <a:ext cx="5619750" cy="1477328"/>
-          </a:xfrm>
-          <a:prstGeom prst="rect">
-            <a:avLst/>
-          </a:prstGeom>
-          <a:noFill/>
-        </p:spPr>
-        <p:txBody>
-          <a:bodyPr wrap="square" rtlCol="0">
-            <a:spAutoFit/>
-          </a:bodyPr>
-          <a:lstStyle/>
-          <a:p>
-            <a:r>
-              <a:rPr lang="de-CH" dirty="0" err="1"/>
-              <a:t>We</a:t>
-            </a:r>
-            <a:r>
-              <a:rPr lang="de-CH" dirty="0"/>
-              <a:t> </a:t>
-            </a:r>
-            <a:r>
-              <a:rPr lang="de-CH" dirty="0" err="1"/>
-              <a:t>presented</a:t>
-            </a:r>
-            <a:r>
-              <a:rPr lang="de-CH" dirty="0"/>
-              <a:t> </a:t>
-            </a:r>
-            <a:r>
-              <a:rPr lang="de-CH" dirty="0" err="1"/>
-              <a:t>two</a:t>
-            </a:r>
-            <a:r>
-              <a:rPr lang="de-CH" dirty="0"/>
-              <a:t> sample </a:t>
-            </a:r>
-            <a:r>
-              <a:rPr lang="de-CH" dirty="0" err="1"/>
-              <a:t>applications</a:t>
-            </a:r>
-            <a:r>
-              <a:rPr lang="de-CH" dirty="0"/>
-              <a:t> on </a:t>
-            </a:r>
-            <a:r>
-              <a:rPr lang="de-CH" dirty="0" err="1"/>
-              <a:t>financial</a:t>
-            </a:r>
-            <a:r>
-              <a:rPr lang="de-CH" dirty="0"/>
-              <a:t> </a:t>
-            </a:r>
-            <a:r>
-              <a:rPr lang="de-CH" dirty="0" err="1"/>
-              <a:t>data</a:t>
-            </a:r>
-            <a:r>
-              <a:rPr lang="de-CH" dirty="0"/>
-              <a:t>. </a:t>
-            </a:r>
-          </a:p>
-          <a:p>
-            <a:r>
-              <a:rPr lang="de-CH" b="1" dirty="0" err="1">
-                <a:solidFill>
-                  <a:srgbClr val="FF0000"/>
-                </a:solidFill>
-              </a:rPr>
-              <a:t>Where</a:t>
-            </a:r>
-            <a:r>
-              <a:rPr lang="de-CH" b="1" dirty="0">
-                <a:solidFill>
-                  <a:srgbClr val="FF0000"/>
-                </a:solidFill>
-              </a:rPr>
-              <a:t> </a:t>
-            </a:r>
-            <a:r>
-              <a:rPr lang="de-CH" b="1" dirty="0" err="1">
-                <a:solidFill>
-                  <a:srgbClr val="FF0000"/>
-                </a:solidFill>
-              </a:rPr>
-              <a:t>to</a:t>
-            </a:r>
-            <a:r>
-              <a:rPr lang="de-CH" b="1" dirty="0">
-                <a:solidFill>
-                  <a:srgbClr val="FF0000"/>
-                </a:solidFill>
-              </a:rPr>
-              <a:t> </a:t>
-            </a:r>
-            <a:r>
-              <a:rPr lang="de-CH" b="1" dirty="0" err="1">
-                <a:solidFill>
-                  <a:srgbClr val="FF0000"/>
-                </a:solidFill>
-              </a:rPr>
-              <a:t>go</a:t>
-            </a:r>
-            <a:r>
-              <a:rPr lang="de-CH" b="1" dirty="0">
-                <a:solidFill>
-                  <a:srgbClr val="FF0000"/>
-                </a:solidFill>
-              </a:rPr>
-              <a:t> </a:t>
-            </a:r>
-            <a:r>
-              <a:rPr lang="de-CH" b="1" dirty="0" err="1">
-                <a:solidFill>
-                  <a:srgbClr val="FF0000"/>
-                </a:solidFill>
-              </a:rPr>
-              <a:t>from</a:t>
-            </a:r>
-            <a:r>
-              <a:rPr lang="de-CH" b="1" dirty="0">
-                <a:solidFill>
-                  <a:srgbClr val="FF0000"/>
-                </a:solidFill>
-              </a:rPr>
-              <a:t> </a:t>
-            </a:r>
-            <a:r>
-              <a:rPr lang="de-CH" b="1" dirty="0" err="1">
-                <a:solidFill>
-                  <a:srgbClr val="FF0000"/>
-                </a:solidFill>
-              </a:rPr>
-              <a:t>here</a:t>
-            </a:r>
-            <a:r>
-              <a:rPr lang="de-CH" b="1" dirty="0">
-                <a:solidFill>
-                  <a:srgbClr val="FF0000"/>
-                </a:solidFill>
-              </a:rPr>
-              <a:t>?</a:t>
-            </a:r>
-          </a:p>
-          <a:p>
-            <a:r>
-              <a:rPr lang="de-CH" dirty="0" err="1"/>
-              <a:t>Before</a:t>
-            </a:r>
-            <a:r>
-              <a:rPr lang="de-CH" dirty="0"/>
-              <a:t> </a:t>
-            </a:r>
-            <a:r>
-              <a:rPr lang="de-CH" dirty="0" err="1"/>
-              <a:t>wasting</a:t>
-            </a:r>
-            <a:r>
-              <a:rPr lang="de-CH" dirty="0"/>
-              <a:t> time </a:t>
-            </a:r>
-            <a:r>
-              <a:rPr lang="de-CH" dirty="0" err="1"/>
-              <a:t>it</a:t>
-            </a:r>
-            <a:r>
-              <a:rPr lang="de-CH" dirty="0"/>
-              <a:t> </a:t>
-            </a:r>
-            <a:r>
-              <a:rPr lang="de-CH" dirty="0" err="1"/>
-              <a:t>is</a:t>
-            </a:r>
-            <a:r>
-              <a:rPr lang="de-CH" dirty="0"/>
-              <a:t> </a:t>
-            </a:r>
-            <a:r>
-              <a:rPr lang="de-CH" dirty="0" err="1"/>
-              <a:t>important</a:t>
-            </a:r>
-            <a:r>
-              <a:rPr lang="de-CH" dirty="0"/>
-              <a:t> </a:t>
-            </a:r>
-            <a:r>
-              <a:rPr lang="de-CH" dirty="0" err="1"/>
-              <a:t>to</a:t>
-            </a:r>
-            <a:r>
-              <a:rPr lang="de-CH" dirty="0"/>
-              <a:t> </a:t>
-            </a:r>
-            <a:r>
-              <a:rPr lang="de-CH" dirty="0" err="1"/>
-              <a:t>talk</a:t>
-            </a:r>
-            <a:r>
-              <a:rPr lang="de-CH" dirty="0"/>
-              <a:t> </a:t>
-            </a:r>
-            <a:r>
-              <a:rPr lang="de-CH" dirty="0" err="1"/>
-              <a:t>now</a:t>
-            </a:r>
-            <a:r>
-              <a:rPr lang="de-CH" dirty="0"/>
-              <a:t> </a:t>
-            </a:r>
-            <a:r>
-              <a:rPr lang="de-CH" dirty="0" err="1"/>
-              <a:t>with</a:t>
-            </a:r>
-            <a:r>
-              <a:rPr lang="de-CH" dirty="0"/>
-              <a:t> bank-</a:t>
-            </a:r>
-            <a:r>
-              <a:rPr lang="de-CH" dirty="0" err="1"/>
-              <a:t>experts</a:t>
-            </a:r>
-            <a:r>
-              <a:rPr lang="de-CH" dirty="0"/>
-              <a:t> on </a:t>
-            </a:r>
-            <a:r>
-              <a:rPr lang="de-CH" dirty="0" err="1"/>
-              <a:t>what</a:t>
-            </a:r>
-            <a:r>
-              <a:rPr lang="de-CH" dirty="0"/>
-              <a:t> </a:t>
-            </a:r>
-            <a:r>
-              <a:rPr lang="de-CH" dirty="0" err="1"/>
-              <a:t>could</a:t>
-            </a:r>
-            <a:r>
-              <a:rPr lang="de-CH" dirty="0"/>
-              <a:t> </a:t>
-            </a:r>
-            <a:r>
-              <a:rPr lang="de-CH" dirty="0" err="1"/>
-              <a:t>be</a:t>
-            </a:r>
-            <a:r>
-              <a:rPr lang="de-CH" dirty="0"/>
-              <a:t> </a:t>
-            </a:r>
-            <a:r>
-              <a:rPr lang="de-CH" dirty="0" err="1"/>
-              <a:t>interesting</a:t>
-            </a:r>
-            <a:r>
-              <a:rPr lang="de-CH" dirty="0"/>
-              <a:t> </a:t>
-            </a:r>
-            <a:r>
-              <a:rPr lang="de-CH" dirty="0" err="1"/>
-              <a:t>for</a:t>
-            </a:r>
-            <a:r>
-              <a:rPr lang="de-CH" dirty="0"/>
-              <a:t> </a:t>
-            </a:r>
-            <a:r>
-              <a:rPr lang="de-CH" dirty="0" err="1"/>
-              <a:t>our</a:t>
-            </a:r>
-            <a:r>
-              <a:rPr lang="de-CH" dirty="0"/>
-              <a:t> </a:t>
-            </a:r>
-            <a:r>
-              <a:rPr lang="de-CH" dirty="0" err="1"/>
-              <a:t>costumers</a:t>
-            </a:r>
-            <a:r>
-              <a:rPr lang="de-CH" dirty="0"/>
-              <a:t>.  </a:t>
-            </a:r>
-          </a:p>
-          <a:p>
-            <a:endParaRPr lang="de-CH" b="1" dirty="0">
-              <a:solidFill>
-                <a:srgbClr val="FF0000"/>
-              </a:solidFill>
-            </a:endParaRPr>
-          </a:p>
-        </p:txBody>
-      </p:sp>
-    </p:spTree>
-    <p:extLst>
-      <p:ext uri="{BB962C8B-B14F-4D97-AF65-F5344CB8AC3E}">
-        <p14:creationId xmlns:p14="http://schemas.microsoft.com/office/powerpoint/2010/main" val="3270411729"/>
       </p:ext>
     </p:extLst>
   </p:cSld>
@@ -8251,6 +8224,678 @@
     <p:extLst>
       <p:ext uri="{BB962C8B-B14F-4D97-AF65-F5344CB8AC3E}">
         <p14:creationId xmlns:p14="http://schemas.microsoft.com/office/powerpoint/2010/main" val="3419659672"/>
+      </p:ext>
+    </p:extLst>
+  </p:cSld>
+  <p:clrMapOvr>
+    <a:masterClrMapping/>
+  </p:clrMapOvr>
+</p:sld>
+</file>
+
+<file path=ppt/slides/slide20.xml><?xml version="1.0" encoding="utf-8"?>
+<p:sld xmlns:a="http://schemas.openxmlformats.org/drawingml/2006/main" xmlns:r="http://schemas.openxmlformats.org/officeDocument/2006/relationships" xmlns:p="http://schemas.openxmlformats.org/presentationml/2006/main">
+  <p:cSld>
+    <p:spTree>
+      <p:nvGrpSpPr>
+        <p:cNvPr id="1" name=""/>
+        <p:cNvGrpSpPr/>
+        <p:nvPr/>
+      </p:nvGrpSpPr>
+      <p:grpSpPr>
+        <a:xfrm>
+          <a:off x="0" y="0"/>
+          <a:ext cx="0" cy="0"/>
+          <a:chOff x="0" y="0"/>
+          <a:chExt cx="0" cy="0"/>
+        </a:xfrm>
+      </p:grpSpPr>
+      <p:pic>
+        <p:nvPicPr>
+          <p:cNvPr id="3" name="Picture 2">
+            <a:extLst>
+              <a:ext uri="{FF2B5EF4-FFF2-40B4-BE49-F238E27FC236}">
+                <a16:creationId xmlns:a16="http://schemas.microsoft.com/office/drawing/2014/main" id="{68EC3968-F2D8-4F51-E658-30BA69FD0E51}"/>
+              </a:ext>
+            </a:extLst>
+          </p:cNvPr>
+          <p:cNvPicPr>
+            <a:picLocks noChangeAspect="1"/>
+          </p:cNvPicPr>
+          <p:nvPr/>
+        </p:nvPicPr>
+        <p:blipFill>
+          <a:blip r:embed="rId2"/>
+          <a:stretch>
+            <a:fillRect/>
+          </a:stretch>
+        </p:blipFill>
+        <p:spPr>
+          <a:xfrm>
+            <a:off x="1095375" y="1185862"/>
+            <a:ext cx="4895850" cy="4181475"/>
+          </a:xfrm>
+          <a:prstGeom prst="rect">
+            <a:avLst/>
+          </a:prstGeom>
+        </p:spPr>
+      </p:pic>
+      <p:pic>
+        <p:nvPicPr>
+          <p:cNvPr id="5" name="Picture 4">
+            <a:extLst>
+              <a:ext uri="{FF2B5EF4-FFF2-40B4-BE49-F238E27FC236}">
+                <a16:creationId xmlns:a16="http://schemas.microsoft.com/office/drawing/2014/main" id="{BF82D935-CA96-2011-C5A3-14CB35182B24}"/>
+              </a:ext>
+            </a:extLst>
+          </p:cNvPr>
+          <p:cNvPicPr>
+            <a:picLocks noChangeAspect="1"/>
+          </p:cNvPicPr>
+          <p:nvPr/>
+        </p:nvPicPr>
+        <p:blipFill>
+          <a:blip r:embed="rId3"/>
+          <a:stretch>
+            <a:fillRect/>
+          </a:stretch>
+        </p:blipFill>
+        <p:spPr>
+          <a:xfrm>
+            <a:off x="6786562" y="1185862"/>
+            <a:ext cx="4886325" cy="4191000"/>
+          </a:xfrm>
+          <a:prstGeom prst="rect">
+            <a:avLst/>
+          </a:prstGeom>
+        </p:spPr>
+      </p:pic>
+      <p:sp>
+        <p:nvSpPr>
+          <p:cNvPr id="6" name="TextBox 5">
+            <a:extLst>
+              <a:ext uri="{FF2B5EF4-FFF2-40B4-BE49-F238E27FC236}">
+                <a16:creationId xmlns:a16="http://schemas.microsoft.com/office/drawing/2014/main" id="{2A37733B-C666-6E2C-A610-E01F7F7CB4E1}"/>
+              </a:ext>
+            </a:extLst>
+          </p:cNvPr>
+          <p:cNvSpPr txBox="1"/>
+          <p:nvPr/>
+        </p:nvSpPr>
+        <p:spPr>
+          <a:xfrm>
+            <a:off x="2876550" y="638175"/>
+            <a:ext cx="2427139" cy="369332"/>
+          </a:xfrm>
+          <a:prstGeom prst="rect">
+            <a:avLst/>
+          </a:prstGeom>
+          <a:noFill/>
+        </p:spPr>
+        <p:txBody>
+          <a:bodyPr wrap="none" rtlCol="0">
+            <a:spAutoFit/>
+          </a:bodyPr>
+          <a:lstStyle/>
+          <a:p>
+            <a:r>
+              <a:rPr lang="de-CH" b="1" u="sng" dirty="0"/>
+              <a:t>Training (</a:t>
+            </a:r>
+            <a:r>
+              <a:rPr lang="de-CH" b="1" u="sng" dirty="0" err="1"/>
+              <a:t>oversampling</a:t>
+            </a:r>
+            <a:r>
+              <a:rPr lang="de-CH" b="1" u="sng" dirty="0"/>
+              <a:t>)</a:t>
+            </a:r>
+          </a:p>
+        </p:txBody>
+      </p:sp>
+      <p:sp>
+        <p:nvSpPr>
+          <p:cNvPr id="7" name="TextBox 6">
+            <a:extLst>
+              <a:ext uri="{FF2B5EF4-FFF2-40B4-BE49-F238E27FC236}">
+                <a16:creationId xmlns:a16="http://schemas.microsoft.com/office/drawing/2014/main" id="{567C5D85-F78F-B8D9-11D5-5352B47F4747}"/>
+              </a:ext>
+            </a:extLst>
+          </p:cNvPr>
+          <p:cNvSpPr txBox="1"/>
+          <p:nvPr/>
+        </p:nvSpPr>
+        <p:spPr>
+          <a:xfrm>
+            <a:off x="8766199" y="638175"/>
+            <a:ext cx="851452" cy="369332"/>
+          </a:xfrm>
+          <a:prstGeom prst="rect">
+            <a:avLst/>
+          </a:prstGeom>
+          <a:noFill/>
+        </p:spPr>
+        <p:txBody>
+          <a:bodyPr wrap="none" rtlCol="0">
+            <a:spAutoFit/>
+          </a:bodyPr>
+          <a:lstStyle/>
+          <a:p>
+            <a:r>
+              <a:rPr lang="de-CH" b="1" u="sng" dirty="0" err="1"/>
+              <a:t>Testing</a:t>
+            </a:r>
+            <a:endParaRPr lang="de-CH" b="1" u="sng" dirty="0"/>
+          </a:p>
+        </p:txBody>
+      </p:sp>
+      <p:cxnSp>
+        <p:nvCxnSpPr>
+          <p:cNvPr id="8" name="Straight Connector 7">
+            <a:extLst>
+              <a:ext uri="{FF2B5EF4-FFF2-40B4-BE49-F238E27FC236}">
+                <a16:creationId xmlns:a16="http://schemas.microsoft.com/office/drawing/2014/main" id="{954182B8-4B55-BA8F-0EBA-80B55F65B5E3}"/>
+              </a:ext>
+            </a:extLst>
+          </p:cNvPr>
+          <p:cNvCxnSpPr>
+            <a:cxnSpLocks/>
+          </p:cNvCxnSpPr>
+          <p:nvPr/>
+        </p:nvCxnSpPr>
+        <p:spPr>
+          <a:xfrm>
+            <a:off x="0" y="381000"/>
+            <a:ext cx="12192000" cy="0"/>
+          </a:xfrm>
+          <a:prstGeom prst="line">
+            <a:avLst/>
+          </a:prstGeom>
+          <a:ln w="12700">
+            <a:solidFill>
+              <a:schemeClr val="bg1">
+                <a:lumMod val="50000"/>
+              </a:schemeClr>
+            </a:solidFill>
+          </a:ln>
+        </p:spPr>
+        <p:style>
+          <a:lnRef idx="1">
+            <a:schemeClr val="accent1"/>
+          </a:lnRef>
+          <a:fillRef idx="0">
+            <a:schemeClr val="accent1"/>
+          </a:fillRef>
+          <a:effectRef idx="0">
+            <a:schemeClr val="accent1"/>
+          </a:effectRef>
+          <a:fontRef idx="minor">
+            <a:schemeClr val="tx1"/>
+          </a:fontRef>
+        </p:style>
+      </p:cxnSp>
+      <p:sp>
+        <p:nvSpPr>
+          <p:cNvPr id="9" name="TextBox 8">
+            <a:extLst>
+              <a:ext uri="{FF2B5EF4-FFF2-40B4-BE49-F238E27FC236}">
+                <a16:creationId xmlns:a16="http://schemas.microsoft.com/office/drawing/2014/main" id="{2CD63770-ED40-2570-2593-19254ECB803C}"/>
+              </a:ext>
+            </a:extLst>
+          </p:cNvPr>
+          <p:cNvSpPr txBox="1"/>
+          <p:nvPr/>
+        </p:nvSpPr>
+        <p:spPr>
+          <a:xfrm>
+            <a:off x="0" y="-19566"/>
+            <a:ext cx="4762500" cy="400110"/>
+          </a:xfrm>
+          <a:prstGeom prst="rect">
+            <a:avLst/>
+          </a:prstGeom>
+          <a:noFill/>
+        </p:spPr>
+        <p:txBody>
+          <a:bodyPr wrap="square">
+            <a:spAutoFit/>
+          </a:bodyPr>
+          <a:lstStyle/>
+          <a:p>
+            <a:r>
+              <a:rPr lang="de-CH" sz="2000" b="1" dirty="0" err="1"/>
+              <a:t>Loan</a:t>
+            </a:r>
+            <a:r>
+              <a:rPr lang="de-CH" sz="2000" b="1" dirty="0"/>
+              <a:t> </a:t>
+            </a:r>
+            <a:r>
+              <a:rPr lang="de-CH" sz="2000" b="1" dirty="0" err="1"/>
+              <a:t>default</a:t>
+            </a:r>
+            <a:r>
+              <a:rPr lang="de-CH" sz="2000" b="1" dirty="0"/>
+              <a:t> </a:t>
+            </a:r>
+            <a:r>
+              <a:rPr lang="de-CH" sz="2000" b="1" dirty="0" err="1"/>
+              <a:t>prediction</a:t>
+            </a:r>
+            <a:endParaRPr lang="de-CH" sz="2000" b="1" dirty="0"/>
+          </a:p>
+        </p:txBody>
+      </p:sp>
+      <p:sp>
+        <p:nvSpPr>
+          <p:cNvPr id="10" name="TextBox 9">
+            <a:extLst>
+              <a:ext uri="{FF2B5EF4-FFF2-40B4-BE49-F238E27FC236}">
+                <a16:creationId xmlns:a16="http://schemas.microsoft.com/office/drawing/2014/main" id="{F69D2FCB-4809-0320-7B90-54E2B323577E}"/>
+              </a:ext>
+            </a:extLst>
+          </p:cNvPr>
+          <p:cNvSpPr txBox="1"/>
+          <p:nvPr/>
+        </p:nvSpPr>
+        <p:spPr>
+          <a:xfrm>
+            <a:off x="9769911" y="-19566"/>
+            <a:ext cx="1391856" cy="369332"/>
+          </a:xfrm>
+          <a:prstGeom prst="rect">
+            <a:avLst/>
+          </a:prstGeom>
+          <a:noFill/>
+        </p:spPr>
+        <p:txBody>
+          <a:bodyPr wrap="none" rtlCol="0">
+            <a:spAutoFit/>
+          </a:bodyPr>
+          <a:lstStyle/>
+          <a:p>
+            <a:r>
+              <a:rPr lang="de-CH" dirty="0"/>
+              <a:t>Performance</a:t>
+            </a:r>
+          </a:p>
+        </p:txBody>
+      </p:sp>
+    </p:spTree>
+    <p:extLst>
+      <p:ext uri="{BB962C8B-B14F-4D97-AF65-F5344CB8AC3E}">
+        <p14:creationId xmlns:p14="http://schemas.microsoft.com/office/powerpoint/2010/main" val="4187989436"/>
+      </p:ext>
+    </p:extLst>
+  </p:cSld>
+  <p:clrMapOvr>
+    <a:masterClrMapping/>
+  </p:clrMapOvr>
+</p:sld>
+</file>
+
+<file path=ppt/slides/slide21.xml><?xml version="1.0" encoding="utf-8"?>
+<p:sld xmlns:a="http://schemas.openxmlformats.org/drawingml/2006/main" xmlns:r="http://schemas.openxmlformats.org/officeDocument/2006/relationships" xmlns:p="http://schemas.openxmlformats.org/presentationml/2006/main">
+  <p:cSld>
+    <p:spTree>
+      <p:nvGrpSpPr>
+        <p:cNvPr id="1" name=""/>
+        <p:cNvGrpSpPr/>
+        <p:nvPr/>
+      </p:nvGrpSpPr>
+      <p:grpSpPr>
+        <a:xfrm>
+          <a:off x="0" y="0"/>
+          <a:ext cx="0" cy="0"/>
+          <a:chOff x="0" y="0"/>
+          <a:chExt cx="0" cy="0"/>
+        </a:xfrm>
+      </p:grpSpPr>
+      <p:sp>
+        <p:nvSpPr>
+          <p:cNvPr id="2" name="TextBox 1">
+            <a:extLst>
+              <a:ext uri="{FF2B5EF4-FFF2-40B4-BE49-F238E27FC236}">
+                <a16:creationId xmlns:a16="http://schemas.microsoft.com/office/drawing/2014/main" id="{A6495F26-B540-CC01-6E67-F2472CAAB4F6}"/>
+              </a:ext>
+            </a:extLst>
+          </p:cNvPr>
+          <p:cNvSpPr txBox="1"/>
+          <p:nvPr/>
+        </p:nvSpPr>
+        <p:spPr>
+          <a:xfrm>
+            <a:off x="4152900" y="571500"/>
+            <a:ext cx="2217915" cy="707886"/>
+          </a:xfrm>
+          <a:prstGeom prst="rect">
+            <a:avLst/>
+          </a:prstGeom>
+          <a:noFill/>
+        </p:spPr>
+        <p:txBody>
+          <a:bodyPr wrap="none" rtlCol="0">
+            <a:spAutoFit/>
+          </a:bodyPr>
+          <a:lstStyle/>
+          <a:p>
+            <a:r>
+              <a:rPr lang="de-CH" sz="4000" b="1" dirty="0"/>
+              <a:t>Summary</a:t>
+            </a:r>
+          </a:p>
+        </p:txBody>
+      </p:sp>
+      <p:sp>
+        <p:nvSpPr>
+          <p:cNvPr id="3" name="TextBox 2">
+            <a:extLst>
+              <a:ext uri="{FF2B5EF4-FFF2-40B4-BE49-F238E27FC236}">
+                <a16:creationId xmlns:a16="http://schemas.microsoft.com/office/drawing/2014/main" id="{D57B0F28-23D2-8427-3795-A403AFEFCA13}"/>
+              </a:ext>
+            </a:extLst>
+          </p:cNvPr>
+          <p:cNvSpPr txBox="1"/>
+          <p:nvPr/>
+        </p:nvSpPr>
+        <p:spPr>
+          <a:xfrm>
+            <a:off x="2829807" y="2346811"/>
+            <a:ext cx="5619750" cy="1477328"/>
+          </a:xfrm>
+          <a:prstGeom prst="rect">
+            <a:avLst/>
+          </a:prstGeom>
+          <a:noFill/>
+        </p:spPr>
+        <p:txBody>
+          <a:bodyPr wrap="square" rtlCol="0">
+            <a:spAutoFit/>
+          </a:bodyPr>
+          <a:lstStyle/>
+          <a:p>
+            <a:r>
+              <a:rPr lang="de-CH" dirty="0" err="1"/>
+              <a:t>We</a:t>
+            </a:r>
+            <a:r>
+              <a:rPr lang="de-CH" dirty="0"/>
+              <a:t> </a:t>
+            </a:r>
+            <a:r>
+              <a:rPr lang="de-CH" dirty="0" err="1"/>
+              <a:t>presented</a:t>
+            </a:r>
+            <a:r>
+              <a:rPr lang="de-CH" dirty="0"/>
+              <a:t> </a:t>
+            </a:r>
+            <a:r>
+              <a:rPr lang="de-CH" dirty="0" err="1"/>
+              <a:t>two</a:t>
+            </a:r>
+            <a:r>
+              <a:rPr lang="de-CH" dirty="0"/>
+              <a:t> sample </a:t>
+            </a:r>
+            <a:r>
+              <a:rPr lang="de-CH" dirty="0" err="1"/>
+              <a:t>applications</a:t>
+            </a:r>
+            <a:r>
+              <a:rPr lang="de-CH" dirty="0"/>
+              <a:t> on </a:t>
+            </a:r>
+            <a:r>
+              <a:rPr lang="de-CH" dirty="0" err="1"/>
+              <a:t>financial</a:t>
+            </a:r>
+            <a:r>
+              <a:rPr lang="de-CH" dirty="0"/>
+              <a:t> </a:t>
+            </a:r>
+            <a:r>
+              <a:rPr lang="de-CH" dirty="0" err="1"/>
+              <a:t>data</a:t>
+            </a:r>
+            <a:r>
+              <a:rPr lang="de-CH" dirty="0"/>
+              <a:t>. </a:t>
+            </a:r>
+          </a:p>
+          <a:p>
+            <a:r>
+              <a:rPr lang="de-CH" b="1" dirty="0" err="1">
+                <a:solidFill>
+                  <a:srgbClr val="FF0000"/>
+                </a:solidFill>
+              </a:rPr>
+              <a:t>Where</a:t>
+            </a:r>
+            <a:r>
+              <a:rPr lang="de-CH" b="1" dirty="0">
+                <a:solidFill>
+                  <a:srgbClr val="FF0000"/>
+                </a:solidFill>
+              </a:rPr>
+              <a:t> </a:t>
+            </a:r>
+            <a:r>
+              <a:rPr lang="de-CH" b="1" dirty="0" err="1">
+                <a:solidFill>
+                  <a:srgbClr val="FF0000"/>
+                </a:solidFill>
+              </a:rPr>
+              <a:t>to</a:t>
+            </a:r>
+            <a:r>
+              <a:rPr lang="de-CH" b="1" dirty="0">
+                <a:solidFill>
+                  <a:srgbClr val="FF0000"/>
+                </a:solidFill>
+              </a:rPr>
+              <a:t> </a:t>
+            </a:r>
+            <a:r>
+              <a:rPr lang="de-CH" b="1" dirty="0" err="1">
+                <a:solidFill>
+                  <a:srgbClr val="FF0000"/>
+                </a:solidFill>
+              </a:rPr>
+              <a:t>go</a:t>
+            </a:r>
+            <a:r>
+              <a:rPr lang="de-CH" b="1" dirty="0">
+                <a:solidFill>
+                  <a:srgbClr val="FF0000"/>
+                </a:solidFill>
+              </a:rPr>
+              <a:t> </a:t>
+            </a:r>
+            <a:r>
+              <a:rPr lang="de-CH" b="1" dirty="0" err="1">
+                <a:solidFill>
+                  <a:srgbClr val="FF0000"/>
+                </a:solidFill>
+              </a:rPr>
+              <a:t>from</a:t>
+            </a:r>
+            <a:r>
+              <a:rPr lang="de-CH" b="1" dirty="0">
+                <a:solidFill>
+                  <a:srgbClr val="FF0000"/>
+                </a:solidFill>
+              </a:rPr>
+              <a:t> </a:t>
+            </a:r>
+            <a:r>
+              <a:rPr lang="de-CH" b="1" dirty="0" err="1">
+                <a:solidFill>
+                  <a:srgbClr val="FF0000"/>
+                </a:solidFill>
+              </a:rPr>
+              <a:t>here</a:t>
+            </a:r>
+            <a:r>
+              <a:rPr lang="de-CH" b="1" dirty="0">
+                <a:solidFill>
+                  <a:srgbClr val="FF0000"/>
+                </a:solidFill>
+              </a:rPr>
+              <a:t>?</a:t>
+            </a:r>
+          </a:p>
+          <a:p>
+            <a:r>
+              <a:rPr lang="de-CH" dirty="0" err="1"/>
+              <a:t>Before</a:t>
+            </a:r>
+            <a:r>
+              <a:rPr lang="de-CH" dirty="0"/>
+              <a:t> </a:t>
+            </a:r>
+            <a:r>
+              <a:rPr lang="de-CH" dirty="0" err="1"/>
+              <a:t>wasting</a:t>
+            </a:r>
+            <a:r>
+              <a:rPr lang="de-CH" dirty="0"/>
+              <a:t> time </a:t>
+            </a:r>
+            <a:r>
+              <a:rPr lang="de-CH" dirty="0" err="1"/>
+              <a:t>it</a:t>
+            </a:r>
+            <a:r>
+              <a:rPr lang="de-CH" dirty="0"/>
+              <a:t> </a:t>
+            </a:r>
+            <a:r>
+              <a:rPr lang="de-CH" dirty="0" err="1"/>
+              <a:t>is</a:t>
+            </a:r>
+            <a:r>
+              <a:rPr lang="de-CH" dirty="0"/>
+              <a:t> </a:t>
+            </a:r>
+            <a:r>
+              <a:rPr lang="de-CH" dirty="0" err="1"/>
+              <a:t>important</a:t>
+            </a:r>
+            <a:r>
+              <a:rPr lang="de-CH" dirty="0"/>
+              <a:t> </a:t>
+            </a:r>
+            <a:r>
+              <a:rPr lang="de-CH" dirty="0" err="1"/>
+              <a:t>to</a:t>
+            </a:r>
+            <a:r>
+              <a:rPr lang="de-CH" dirty="0"/>
+              <a:t> </a:t>
+            </a:r>
+            <a:r>
+              <a:rPr lang="de-CH" dirty="0" err="1"/>
+              <a:t>talk</a:t>
+            </a:r>
+            <a:r>
+              <a:rPr lang="de-CH" dirty="0"/>
+              <a:t> </a:t>
+            </a:r>
+            <a:r>
+              <a:rPr lang="de-CH" dirty="0" err="1"/>
+              <a:t>now</a:t>
+            </a:r>
+            <a:r>
+              <a:rPr lang="de-CH" dirty="0"/>
+              <a:t> </a:t>
+            </a:r>
+            <a:r>
+              <a:rPr lang="de-CH" dirty="0" err="1"/>
+              <a:t>with</a:t>
+            </a:r>
+            <a:r>
+              <a:rPr lang="de-CH" dirty="0"/>
+              <a:t> bank-</a:t>
+            </a:r>
+            <a:r>
+              <a:rPr lang="de-CH" dirty="0" err="1"/>
+              <a:t>experts</a:t>
+            </a:r>
+            <a:r>
+              <a:rPr lang="de-CH" dirty="0"/>
+              <a:t> on </a:t>
+            </a:r>
+            <a:r>
+              <a:rPr lang="de-CH" dirty="0" err="1"/>
+              <a:t>what</a:t>
+            </a:r>
+            <a:r>
+              <a:rPr lang="de-CH" dirty="0"/>
+              <a:t> </a:t>
+            </a:r>
+            <a:r>
+              <a:rPr lang="de-CH" dirty="0" err="1"/>
+              <a:t>could</a:t>
+            </a:r>
+            <a:r>
+              <a:rPr lang="de-CH" dirty="0"/>
+              <a:t> </a:t>
+            </a:r>
+            <a:r>
+              <a:rPr lang="de-CH" dirty="0" err="1"/>
+              <a:t>be</a:t>
+            </a:r>
+            <a:r>
+              <a:rPr lang="de-CH" dirty="0"/>
+              <a:t> </a:t>
+            </a:r>
+            <a:r>
+              <a:rPr lang="de-CH" dirty="0" err="1"/>
+              <a:t>interesting</a:t>
+            </a:r>
+            <a:r>
+              <a:rPr lang="de-CH" dirty="0"/>
+              <a:t> </a:t>
+            </a:r>
+            <a:r>
+              <a:rPr lang="de-CH" dirty="0" err="1"/>
+              <a:t>for</a:t>
+            </a:r>
+            <a:r>
+              <a:rPr lang="de-CH" dirty="0"/>
+              <a:t> </a:t>
+            </a:r>
+            <a:r>
+              <a:rPr lang="de-CH" dirty="0" err="1"/>
+              <a:t>our</a:t>
+            </a:r>
+            <a:r>
+              <a:rPr lang="de-CH" dirty="0"/>
+              <a:t> </a:t>
+            </a:r>
+            <a:r>
+              <a:rPr lang="de-CH" dirty="0" err="1"/>
+              <a:t>costumers</a:t>
+            </a:r>
+            <a:r>
+              <a:rPr lang="de-CH" dirty="0"/>
+              <a:t>.  </a:t>
+            </a:r>
+          </a:p>
+          <a:p>
+            <a:endParaRPr lang="de-CH" b="1" dirty="0">
+              <a:solidFill>
+                <a:srgbClr val="FF0000"/>
+              </a:solidFill>
+            </a:endParaRPr>
+          </a:p>
+        </p:txBody>
+      </p:sp>
+    </p:spTree>
+    <p:extLst>
+      <p:ext uri="{BB962C8B-B14F-4D97-AF65-F5344CB8AC3E}">
+        <p14:creationId xmlns:p14="http://schemas.microsoft.com/office/powerpoint/2010/main" val="3270411729"/>
       </p:ext>
     </p:extLst>
   </p:cSld>
@@ -8785,11 +9430,19 @@
             </a:r>
             <a:r>
               <a:rPr lang="de-CH" dirty="0"/>
-              <a:t> a dat </a:t>
+              <a:t> a </a:t>
             </a:r>
             <a:r>
               <a:rPr lang="de-CH" dirty="0" err="1"/>
-              <a:t>ateam</a:t>
+              <a:t>data</a:t>
+            </a:r>
+            <a:r>
+              <a:rPr lang="de-CH" dirty="0"/>
+              <a:t> </a:t>
+            </a:r>
+            <a:r>
+              <a:rPr lang="de-CH" dirty="0" err="1"/>
+              <a:t>team</a:t>
             </a:r>
             <a:r>
               <a:rPr lang="de-CH" dirty="0"/>
